--- a/발표자료/6주차/자구설_6주차_V1.0.pptx
+++ b/발표자료/6주차/자구설_6주차_V1.0.pptx
@@ -5009,10 +5009,10 @@
       </p:sp>
       <p:pic>
         <p:nvPicPr>
-          <p:cNvPr id="6" name="그림 5">
+          <p:cNvPr id="3" name="그림 2">
             <a:extLst>
               <a:ext uri="{FF2B5EF4-FFF2-40B4-BE49-F238E27FC236}">
-                <a16:creationId xmlns:a16="http://schemas.microsoft.com/office/drawing/2014/main" id="{A70B762B-4A9D-4D60-9143-4E1E45DF276C}"/>
+                <a16:creationId xmlns:a16="http://schemas.microsoft.com/office/drawing/2014/main" id="{14E02CEA-7FBC-414B-80CB-A8A51656A09E}"/>
               </a:ext>
             </a:extLst>
           </p:cNvPr>
@@ -5029,8 +5029,8 @@
         </p:blipFill>
         <p:spPr>
           <a:xfrm>
-            <a:off x="4762887" y="1551333"/>
-            <a:ext cx="7268371" cy="4233242"/>
+            <a:off x="4931596" y="1428750"/>
+            <a:ext cx="7072182" cy="5198081"/>
           </a:xfrm>
           <a:prstGeom prst="rect">
             <a:avLst/>
@@ -5138,10 +5138,10 @@
       </p:pic>
       <p:pic>
         <p:nvPicPr>
-          <p:cNvPr id="6" name="그림 5">
+          <p:cNvPr id="3" name="그림 2">
             <a:extLst>
               <a:ext uri="{FF2B5EF4-FFF2-40B4-BE49-F238E27FC236}">
-                <a16:creationId xmlns:a16="http://schemas.microsoft.com/office/drawing/2014/main" id="{96815184-5B3E-4875-8443-E90DAF145236}"/>
+                <a16:creationId xmlns:a16="http://schemas.microsoft.com/office/drawing/2014/main" id="{D0FEAB74-DB21-4459-BEE6-AC287BEAFEB2}"/>
               </a:ext>
             </a:extLst>
           </p:cNvPr>
@@ -5158,8 +5158,8 @@
         </p:blipFill>
         <p:spPr>
           <a:xfrm>
-            <a:off x="4510355" y="1561673"/>
-            <a:ext cx="7523626" cy="5049480"/>
+            <a:off x="4582274" y="1469204"/>
+            <a:ext cx="7257996" cy="5123380"/>
           </a:xfrm>
           <a:prstGeom prst="rect">
             <a:avLst/>
